--- a/ThuyetTrinh.pptx
+++ b/ThuyetTrinh.pptx
@@ -254,7 +254,7 @@
           <a:p>
             <a:fld id="{5E58E8A1-674E-459B-A568-6C958A8D3663}" type="datetimeFigureOut">
               <a:rPr lang="en-US" smtClean="0"/>
-              <a:t>6/10/2025</a:t>
+              <a:t>6/12/2025</a:t>
             </a:fld>
             <a:endParaRPr lang="en-US"/>
           </a:p>
@@ -736,7 +736,7 @@
           <a:p>
             <a:fld id="{5FDA3123-6A3D-4CF9-A48F-0278369F65D8}" type="datetimeFigureOut">
               <a:rPr lang="en-US" smtClean="0"/>
-              <a:t>6/10/2025</a:t>
+              <a:t>6/12/2025</a:t>
             </a:fld>
             <a:endParaRPr lang="en-US"/>
           </a:p>
@@ -906,7 +906,7 @@
           <a:p>
             <a:fld id="{5FDA3123-6A3D-4CF9-A48F-0278369F65D8}" type="datetimeFigureOut">
               <a:rPr lang="en-US" smtClean="0"/>
-              <a:t>6/10/2025</a:t>
+              <a:t>6/12/2025</a:t>
             </a:fld>
             <a:endParaRPr lang="en-US"/>
           </a:p>
@@ -1086,7 +1086,7 @@
           <a:p>
             <a:fld id="{5FDA3123-6A3D-4CF9-A48F-0278369F65D8}" type="datetimeFigureOut">
               <a:rPr lang="en-US" smtClean="0"/>
-              <a:t>6/10/2025</a:t>
+              <a:t>6/12/2025</a:t>
             </a:fld>
             <a:endParaRPr lang="en-US"/>
           </a:p>
@@ -1256,7 +1256,7 @@
           <a:p>
             <a:fld id="{5FDA3123-6A3D-4CF9-A48F-0278369F65D8}" type="datetimeFigureOut">
               <a:rPr lang="en-US" smtClean="0"/>
-              <a:t>6/10/2025</a:t>
+              <a:t>6/12/2025</a:t>
             </a:fld>
             <a:endParaRPr lang="en-US"/>
           </a:p>
@@ -1502,7 +1502,7 @@
           <a:p>
             <a:fld id="{5FDA3123-6A3D-4CF9-A48F-0278369F65D8}" type="datetimeFigureOut">
               <a:rPr lang="en-US" smtClean="0"/>
-              <a:t>6/10/2025</a:t>
+              <a:t>6/12/2025</a:t>
             </a:fld>
             <a:endParaRPr lang="en-US"/>
           </a:p>
@@ -1734,7 +1734,7 @@
           <a:p>
             <a:fld id="{5FDA3123-6A3D-4CF9-A48F-0278369F65D8}" type="datetimeFigureOut">
               <a:rPr lang="en-US" smtClean="0"/>
-              <a:t>6/10/2025</a:t>
+              <a:t>6/12/2025</a:t>
             </a:fld>
             <a:endParaRPr lang="en-US"/>
           </a:p>
@@ -2101,7 +2101,7 @@
           <a:p>
             <a:fld id="{5FDA3123-6A3D-4CF9-A48F-0278369F65D8}" type="datetimeFigureOut">
               <a:rPr lang="en-US" smtClean="0"/>
-              <a:t>6/10/2025</a:t>
+              <a:t>6/12/2025</a:t>
             </a:fld>
             <a:endParaRPr lang="en-US"/>
           </a:p>
@@ -2219,7 +2219,7 @@
           <a:p>
             <a:fld id="{5FDA3123-6A3D-4CF9-A48F-0278369F65D8}" type="datetimeFigureOut">
               <a:rPr lang="en-US" smtClean="0"/>
-              <a:t>6/10/2025</a:t>
+              <a:t>6/12/2025</a:t>
             </a:fld>
             <a:endParaRPr lang="en-US"/>
           </a:p>
@@ -2314,7 +2314,7 @@
           <a:p>
             <a:fld id="{5FDA3123-6A3D-4CF9-A48F-0278369F65D8}" type="datetimeFigureOut">
               <a:rPr lang="en-US" smtClean="0"/>
-              <a:t>6/10/2025</a:t>
+              <a:t>6/12/2025</a:t>
             </a:fld>
             <a:endParaRPr lang="en-US"/>
           </a:p>
@@ -2591,7 +2591,7 @@
           <a:p>
             <a:fld id="{5FDA3123-6A3D-4CF9-A48F-0278369F65D8}" type="datetimeFigureOut">
               <a:rPr lang="en-US" smtClean="0"/>
-              <a:t>6/10/2025</a:t>
+              <a:t>6/12/2025</a:t>
             </a:fld>
             <a:endParaRPr lang="en-US"/>
           </a:p>
@@ -2848,7 +2848,7 @@
           <a:p>
             <a:fld id="{5FDA3123-6A3D-4CF9-A48F-0278369F65D8}" type="datetimeFigureOut">
               <a:rPr lang="en-US" smtClean="0"/>
-              <a:t>6/10/2025</a:t>
+              <a:t>6/12/2025</a:t>
             </a:fld>
             <a:endParaRPr lang="en-US"/>
           </a:p>
@@ -3061,7 +3061,7 @@
           <a:p>
             <a:fld id="{5FDA3123-6A3D-4CF9-A48F-0278369F65D8}" type="datetimeFigureOut">
               <a:rPr lang="en-US" smtClean="0"/>
-              <a:t>6/10/2025</a:t>
+              <a:t>6/12/2025</a:t>
             </a:fld>
             <a:endParaRPr lang="en-US"/>
           </a:p>
@@ -3158,7 +3158,7 @@
           <p:nvPr userDrawn="1">
             <p:extLst>
               <p:ext uri="{1162E1C5-73C7-4A58-AE30-91384D911F3F}">
-                <p184:classification xmlns:p184="http://schemas.microsoft.com/office/powerpoint/2018/4/main" xmlns="" val="hdr"/>
+                <p184:classification xmlns="" xmlns:p184="http://schemas.microsoft.com/office/powerpoint/2018/4/main" val="hdr"/>
               </p:ext>
             </p:extLst>
           </p:nvPr>
@@ -5551,7 +5551,7 @@
           <a:graphicData uri="http://schemas.openxmlformats.org/presentationml/2006/ole">
             <mc:AlternateContent xmlns:mc="http://schemas.openxmlformats.org/markup-compatibility/2006">
               <mc:Choice xmlns:v="urn:schemas-microsoft-com:vml" Requires="v">
-                <p:oleObj spid="_x0000_s1028" name="ビットマップ イメージ" r:id="rId4" imgW="8097380" imgH="1619476" progId="Paint.Picture">
+                <p:oleObj spid="_x0000_s1030" name="ビットマップ イメージ" r:id="rId4" imgW="8097380" imgH="1619476" progId="Paint.Picture">
                   <p:embed/>
                 </p:oleObj>
               </mc:Choice>
@@ -6582,7 +6582,7 @@
                     <a:p>
                       <a:pPr algn="l"/>
                       <a:r>
-                        <a:rPr kumimoji="1" lang="ja-JP" altLang="en-US" sz="1100" b="1">
+                        <a:rPr kumimoji="1" lang="ja-JP" altLang="en-US" sz="1100" b="1" dirty="0">
                           <a:latin typeface="Meiryo UI"/>
                           <a:ea typeface="Meiryo UI"/>
                         </a:rPr>
@@ -8195,7 +8195,7 @@
           <a:lstStyle/>
           <a:p>
             <a:pPr algn="ctr"/>
-            <a:endParaRPr lang="en-US"/>
+            <a:endParaRPr lang="en-US" dirty="0"/>
           </a:p>
         </p:txBody>
       </p:sp>
@@ -8873,7 +8873,7 @@
           <a:lstStyle/>
           <a:p>
             <a:pPr algn="ctr"/>
-            <a:endParaRPr lang="en-US"/>
+            <a:endParaRPr lang="en-US" dirty="0"/>
           </a:p>
         </p:txBody>
       </p:sp>
@@ -8975,7 +8975,7 @@
           <a:lstStyle/>
           <a:p>
             <a:pPr algn="ctr"/>
-            <a:endParaRPr lang="en-US"/>
+            <a:endParaRPr lang="en-US" dirty="0"/>
           </a:p>
         </p:txBody>
       </p:sp>
@@ -10007,7 +10007,7 @@
           <a:lstStyle/>
           <a:p>
             <a:pPr algn="ctr"/>
-            <a:endParaRPr lang="en-US"/>
+            <a:endParaRPr lang="en-US" dirty="0"/>
           </a:p>
         </p:txBody>
       </p:sp>
@@ -10059,7 +10059,7 @@
           <a:lstStyle/>
           <a:p>
             <a:pPr algn="ctr"/>
-            <a:endParaRPr lang="en-US"/>
+            <a:endParaRPr lang="en-US" dirty="0"/>
           </a:p>
         </p:txBody>
       </p:sp>
@@ -10111,7 +10111,7 @@
           <a:lstStyle/>
           <a:p>
             <a:pPr algn="ctr"/>
-            <a:endParaRPr lang="en-US"/>
+            <a:endParaRPr lang="en-US" dirty="0"/>
           </a:p>
         </p:txBody>
       </p:sp>
@@ -10385,7 +10385,7 @@
           <a:lstStyle/>
           <a:p>
             <a:pPr algn="ctr"/>
-            <a:endParaRPr lang="en-US"/>
+            <a:endParaRPr lang="en-US" dirty="0"/>
           </a:p>
         </p:txBody>
       </p:sp>
@@ -10485,7 +10485,7 @@
           <a:lstStyle/>
           <a:p>
             <a:pPr algn="ctr"/>
-            <a:endParaRPr lang="en-US"/>
+            <a:endParaRPr lang="en-US" dirty="0"/>
           </a:p>
         </p:txBody>
       </p:sp>
@@ -20431,7 +20431,7 @@
           <a:graphicData uri="http://schemas.openxmlformats.org/presentationml/2006/ole">
             <mc:AlternateContent xmlns:mc="http://schemas.openxmlformats.org/markup-compatibility/2006">
               <mc:Choice xmlns:v="urn:schemas-microsoft-com:vml" Requires="v">
-                <p:oleObj spid="_x0000_s2052" name="Packager Shell Object" showAsIcon="1" r:id="rId6" imgW="724062" imgH="514251" progId="Package">
+                <p:oleObj spid="_x0000_s2054" name="Packager Shell Object" showAsIcon="1" r:id="rId6" imgW="724062" imgH="514251" progId="Package">
                   <p:embed/>
                 </p:oleObj>
               </mc:Choice>
@@ -20865,7 +20865,7 @@
           <a:graphicData uri="http://schemas.openxmlformats.org/presentationml/2006/ole">
             <mc:AlternateContent xmlns:mc="http://schemas.openxmlformats.org/markup-compatibility/2006">
               <mc:Choice xmlns:v="urn:schemas-microsoft-com:vml" Requires="v">
-                <p:oleObj spid="_x0000_s3078" name="Packager Shell Object" showAsIcon="1" r:id="rId5" imgW="581066" imgH="514251" progId="Package">
+                <p:oleObj spid="_x0000_s3082" name="Packager Shell Object" showAsIcon="1" r:id="rId5" imgW="581066" imgH="514251" progId="Package">
                   <p:embed/>
                 </p:oleObj>
               </mc:Choice>
@@ -20934,7 +20934,7 @@
           <a:graphicData uri="http://schemas.openxmlformats.org/presentationml/2006/ole">
             <mc:AlternateContent xmlns:mc="http://schemas.openxmlformats.org/markup-compatibility/2006">
               <mc:Choice xmlns:v="urn:schemas-microsoft-com:vml" Requires="v">
-                <p:oleObj spid="_x0000_s3079" name="Packager Shell Object" showAsIcon="1" r:id="rId7" imgW="400131" imgH="514251" progId="Package">
+                <p:oleObj spid="_x0000_s3083" name="Packager Shell Object" showAsIcon="1" r:id="rId7" imgW="400131" imgH="514251" progId="Package">
                   <p:embed/>
                 </p:oleObj>
               </mc:Choice>
@@ -21215,114 +21215,93 @@
           </a:p>
         </p:txBody>
       </p:sp>
-      <p:grpSp>
-        <p:nvGrpSpPr>
-          <p:cNvPr id="20" name="Group 19">
-            <a:extLst>
-              <a:ext uri="{FF2B5EF4-FFF2-40B4-BE49-F238E27FC236}">
-                <a16:creationId xmlns:a16="http://schemas.microsoft.com/office/drawing/2014/main" id="{98CC8C52-D8A8-5A72-669E-C1356BBA2C61}"/>
-              </a:ext>
-            </a:extLst>
-          </p:cNvPr>
-          <p:cNvGrpSpPr/>
-          <p:nvPr/>
-        </p:nvGrpSpPr>
-        <p:grpSpPr>
+      <p:pic>
+        <p:nvPicPr>
+          <p:cNvPr id="6" name="Picture 5">
+            <a:extLst>
+              <a:ext uri="{FF2B5EF4-FFF2-40B4-BE49-F238E27FC236}">
+                <a16:creationId xmlns:a16="http://schemas.microsoft.com/office/drawing/2014/main" id="{0883A6A3-F67F-5272-5B3A-53E9DEEEADD6}"/>
+              </a:ext>
+            </a:extLst>
+          </p:cNvPr>
+          <p:cNvPicPr>
+            <a:picLocks noChangeAspect="1"/>
+          </p:cNvPicPr>
+          <p:nvPr/>
+        </p:nvPicPr>
+        <p:blipFill>
+          <a:blip r:embed="rId4"/>
+          <a:stretch>
+            <a:fillRect/>
+          </a:stretch>
+        </p:blipFill>
+        <p:spPr>
           <a:xfrm>
             <a:off x="294985" y="708918"/>
             <a:ext cx="4018437" cy="2237481"/>
-            <a:chOff x="229152" y="708919"/>
-            <a:chExt cx="4206856" cy="2342394"/>
-          </a:xfrm>
-        </p:grpSpPr>
-        <p:pic>
-          <p:nvPicPr>
-            <p:cNvPr id="6" name="Picture 5">
-              <a:extLst>
-                <a:ext uri="{FF2B5EF4-FFF2-40B4-BE49-F238E27FC236}">
-                  <a16:creationId xmlns:a16="http://schemas.microsoft.com/office/drawing/2014/main" id="{0883A6A3-F67F-5272-5B3A-53E9DEEEADD6}"/>
-                </a:ext>
-              </a:extLst>
-            </p:cNvPr>
-            <p:cNvPicPr>
-              <a:picLocks noChangeAspect="1"/>
-            </p:cNvPicPr>
-            <p:nvPr/>
-          </p:nvPicPr>
-          <p:blipFill>
-            <a:blip r:embed="rId4"/>
-            <a:stretch>
-              <a:fillRect/>
-            </a:stretch>
-          </p:blipFill>
-          <p:spPr>
-            <a:xfrm>
-              <a:off x="229152" y="708919"/>
-              <a:ext cx="4206856" cy="2342394"/>
-            </a:xfrm>
-            <a:prstGeom prst="rect">
-              <a:avLst/>
-            </a:prstGeom>
-            <a:ln>
-              <a:solidFill>
-                <a:schemeClr val="tx1"/>
-              </a:solidFill>
-            </a:ln>
-          </p:spPr>
-        </p:pic>
-        <p:sp>
-          <p:nvSpPr>
-            <p:cNvPr id="16" name="Rectangle 15">
-              <a:extLst>
-                <a:ext uri="{FF2B5EF4-FFF2-40B4-BE49-F238E27FC236}">
-                  <a16:creationId xmlns:a16="http://schemas.microsoft.com/office/drawing/2014/main" id="{DA96A2D5-9097-5406-0922-F24BDDF60F12}"/>
-                </a:ext>
-              </a:extLst>
-            </p:cNvPr>
-            <p:cNvSpPr/>
-            <p:nvPr/>
-          </p:nvSpPr>
-          <p:spPr>
-            <a:xfrm>
-              <a:off x="506896" y="1620078"/>
-              <a:ext cx="2862469" cy="99392"/>
-            </a:xfrm>
-            <a:prstGeom prst="rect">
-              <a:avLst/>
-            </a:prstGeom>
-            <a:noFill/>
-            <a:ln>
-              <a:solidFill>
-                <a:schemeClr val="tx1"/>
-              </a:solidFill>
-            </a:ln>
-          </p:spPr>
-          <p:style>
-            <a:lnRef idx="2">
-              <a:schemeClr val="accent1">
-                <a:shade val="15000"/>
-              </a:schemeClr>
-            </a:lnRef>
-            <a:fillRef idx="1">
-              <a:schemeClr val="accent1"/>
-            </a:fillRef>
-            <a:effectRef idx="0">
-              <a:schemeClr val="accent1"/>
-            </a:effectRef>
-            <a:fontRef idx="minor">
-              <a:schemeClr val="lt1"/>
-            </a:fontRef>
-          </p:style>
-          <p:txBody>
-            <a:bodyPr rtlCol="0" anchor="ctr"/>
-            <a:lstStyle/>
-            <a:p>
-              <a:pPr algn="ctr"/>
-              <a:endParaRPr lang="en-US"/>
-            </a:p>
-          </p:txBody>
-        </p:sp>
-      </p:grpSp>
+          </a:xfrm>
+          <a:prstGeom prst="rect">
+            <a:avLst/>
+          </a:prstGeom>
+          <a:ln>
+            <a:solidFill>
+              <a:schemeClr val="tx1"/>
+            </a:solidFill>
+          </a:ln>
+        </p:spPr>
+      </p:pic>
+      <p:sp>
+        <p:nvSpPr>
+          <p:cNvPr id="16" name="Rectangle 15">
+            <a:extLst>
+              <a:ext uri="{FF2B5EF4-FFF2-40B4-BE49-F238E27FC236}">
+                <a16:creationId xmlns:a16="http://schemas.microsoft.com/office/drawing/2014/main" id="{DA96A2D5-9097-5406-0922-F24BDDF60F12}"/>
+              </a:ext>
+            </a:extLst>
+          </p:cNvPr>
+          <p:cNvSpPr/>
+          <p:nvPr/>
+        </p:nvSpPr>
+        <p:spPr>
+          <a:xfrm>
+            <a:off x="560289" y="1579267"/>
+            <a:ext cx="2734263" cy="94940"/>
+          </a:xfrm>
+          <a:prstGeom prst="rect">
+            <a:avLst/>
+          </a:prstGeom>
+          <a:noFill/>
+          <a:ln>
+            <a:solidFill>
+              <a:schemeClr val="tx1"/>
+            </a:solidFill>
+          </a:ln>
+        </p:spPr>
+        <p:style>
+          <a:lnRef idx="2">
+            <a:schemeClr val="accent1">
+              <a:shade val="15000"/>
+            </a:schemeClr>
+          </a:lnRef>
+          <a:fillRef idx="1">
+            <a:schemeClr val="accent1"/>
+          </a:fillRef>
+          <a:effectRef idx="0">
+            <a:schemeClr val="accent1"/>
+          </a:effectRef>
+          <a:fontRef idx="minor">
+            <a:schemeClr val="lt1"/>
+          </a:fontRef>
+        </p:style>
+        <p:txBody>
+          <a:bodyPr rtlCol="0" anchor="ctr"/>
+          <a:lstStyle/>
+          <a:p>
+            <a:pPr algn="ctr"/>
+            <a:endParaRPr lang="en-US"/>
+          </a:p>
+        </p:txBody>
+      </p:sp>
       <p:cxnSp>
         <p:nvCxnSpPr>
           <p:cNvPr id="18" name="Straight Arrow Connector 17">
@@ -21487,7 +21466,7 @@
           <a:graphicData uri="http://schemas.openxmlformats.org/presentationml/2006/ole">
             <mc:AlternateContent xmlns:mc="http://schemas.openxmlformats.org/markup-compatibility/2006">
               <mc:Choice xmlns:v="urn:schemas-microsoft-com:vml" Requires="v">
-                <p:oleObj spid="_x0000_s4100" name="Packager Shell Object" showAsIcon="1" r:id="rId6" imgW="742846" imgH="514338" progId="Package">
+                <p:oleObj spid="_x0000_s4102" name="Packager Shell Object" showAsIcon="1" r:id="rId6" imgW="742846" imgH="514338" progId="Package">
                   <p:embed/>
                 </p:oleObj>
               </mc:Choice>
